--- a/UK_House_Prices_Challenge/UK_Housing_Prices_Presentation.pptx
+++ b/UK_House_Prices_Challenge/UK_Housing_Prices_Presentation.pptx
@@ -5,14 +5,15 @@
     <p:sldMasterId id="2147483774" r:id="rId1"/>
   </p:sldMasterIdLst>
   <p:notesMasterIdLst>
-    <p:notesMasterId r:id="rId7"/>
+    <p:notesMasterId r:id="rId8"/>
   </p:notesMasterIdLst>
   <p:sldIdLst>
     <p:sldId id="256" r:id="rId2"/>
     <p:sldId id="271" r:id="rId3"/>
     <p:sldId id="257" r:id="rId4"/>
-    <p:sldId id="270" r:id="rId5"/>
-    <p:sldId id="273" r:id="rId6"/>
+    <p:sldId id="274" r:id="rId5"/>
+    <p:sldId id="270" r:id="rId6"/>
+    <p:sldId id="273" r:id="rId7"/>
   </p:sldIdLst>
   <p:sldSz cx="9144000" cy="6858000" type="screen4x3"/>
   <p:notesSz cx="6858000" cy="9144000"/>
@@ -201,7 +202,7 @@
           <a:p>
             <a:fld id="{AA74E6DA-C916-4BCE-A101-0DC09126B470}" type="datetimeFigureOut">
               <a:rPr lang="en-US" smtClean="0"/>
-              <a:t>9/13/2023</a:t>
+              <a:t>9/14/2023</a:t>
             </a:fld>
             <a:endParaRPr lang="en-US"/>
           </a:p>
@@ -694,7 +695,7 @@
           <a:p>
             <a:fld id="{4E9B4F57-B96C-436C-8E07-9ED15F333B94}" type="datetime1">
               <a:rPr lang="en-US" smtClean="0"/>
-              <a:t>9/13/2023</a:t>
+              <a:t>9/14/2023</a:t>
             </a:fld>
             <a:endParaRPr lang="en-US"/>
           </a:p>
@@ -907,7 +908,7 @@
           <a:p>
             <a:fld id="{E6CAFC69-17B8-49ED-8515-EEF742D798A3}" type="datetime1">
               <a:rPr lang="en-US" smtClean="0"/>
-              <a:t>9/13/2023</a:t>
+              <a:t>9/14/2023</a:t>
             </a:fld>
             <a:endParaRPr lang="en-US"/>
           </a:p>
@@ -1163,7 +1164,7 @@
           <a:p>
             <a:fld id="{49BD7017-5031-4A82-AAE7-53B05001D0CF}" type="datetime1">
               <a:rPr lang="en-US" smtClean="0"/>
-              <a:t>9/13/2023</a:t>
+              <a:t>9/14/2023</a:t>
             </a:fld>
             <a:endParaRPr lang="en-US"/>
           </a:p>
@@ -1333,7 +1334,7 @@
           <a:p>
             <a:fld id="{A9A38264-5CCD-493A-9147-46264A34D417}" type="datetime1">
               <a:rPr lang="en-US" smtClean="0"/>
-              <a:t>9/13/2023</a:t>
+              <a:t>9/14/2023</a:t>
             </a:fld>
             <a:endParaRPr lang="en-US"/>
           </a:p>
@@ -1676,7 +1677,7 @@
           <a:p>
             <a:fld id="{3F88EA74-F8A1-44F3-A943-871AE16A7C78}" type="datetime1">
               <a:rPr lang="en-US" smtClean="0"/>
-              <a:t>9/13/2023</a:t>
+              <a:t>9/14/2023</a:t>
             </a:fld>
             <a:endParaRPr lang="en-US"/>
           </a:p>
@@ -1951,7 +1952,7 @@
           <a:p>
             <a:fld id="{5EDD1233-B103-4F41-B1CD-BA0EAAAA00DE}" type="datetime1">
               <a:rPr lang="en-US" smtClean="0"/>
-              <a:t>9/13/2023</a:t>
+              <a:t>9/14/2023</a:t>
             </a:fld>
             <a:endParaRPr lang="en-US"/>
           </a:p>
@@ -2330,7 +2331,7 @@
           <a:p>
             <a:fld id="{A10B2C42-6C94-4108-8FBA-C36D549E0CB5}" type="datetime1">
               <a:rPr lang="en-US" smtClean="0"/>
-              <a:t>9/13/2023</a:t>
+              <a:t>9/14/2023</a:t>
             </a:fld>
             <a:endParaRPr lang="en-US"/>
           </a:p>
@@ -2448,7 +2449,7 @@
           <a:p>
             <a:fld id="{3D1741E9-4398-4324-AD5E-DC41833D0D5A}" type="datetime1">
               <a:rPr lang="en-US" smtClean="0"/>
-              <a:t>9/13/2023</a:t>
+              <a:t>9/14/2023</a:t>
             </a:fld>
             <a:endParaRPr lang="en-US"/>
           </a:p>
@@ -2619,7 +2620,7 @@
           <a:p>
             <a:fld id="{3906D151-408D-43A7-A31F-E9DD593775C0}" type="datetime1">
               <a:rPr lang="en-US" smtClean="0"/>
-              <a:t>9/13/2023</a:t>
+              <a:t>9/14/2023</a:t>
             </a:fld>
             <a:endParaRPr lang="en-US"/>
           </a:p>
@@ -2978,7 +2979,7 @@
           <a:p>
             <a:fld id="{2944029E-EF4E-46DD-9822-5110C1513648}" type="datetime1">
               <a:rPr lang="en-US" smtClean="0"/>
-              <a:t>9/13/2023</a:t>
+              <a:t>9/14/2023</a:t>
             </a:fld>
             <a:endParaRPr lang="en-US"/>
           </a:p>
@@ -3360,7 +3361,7 @@
           <a:p>
             <a:fld id="{8B851C8C-296E-4771-B364-133D71B0C358}" type="datetime1">
               <a:rPr lang="en-US" smtClean="0"/>
-              <a:t>9/13/2023</a:t>
+              <a:t>9/14/2023</a:t>
             </a:fld>
             <a:endParaRPr lang="en-US"/>
           </a:p>
@@ -3647,7 +3648,7 @@
           <a:p>
             <a:fld id="{B57E3975-6AC8-465E-9EDA-6F683FCFB259}" type="datetime1">
               <a:rPr lang="en-US" smtClean="0"/>
-              <a:t>9/13/2023</a:t>
+              <a:t>9/14/2023</a:t>
             </a:fld>
             <a:endParaRPr lang="en-US"/>
           </a:p>
@@ -4227,7 +4228,7 @@
                 <a:latin typeface="Arial" panose="020B0604020202020204" pitchFamily="34" charset="0"/>
                 <a:cs typeface="Arial" panose="020B0604020202020204" pitchFamily="34" charset="0"/>
               </a:rPr>
-              <a:t>2004 to 2023</a:t>
+              <a:t>2003 to 2023</a:t>
             </a:r>
             <a:endParaRPr lang="en-US" sz="1500" dirty="0">
               <a:latin typeface="Arial" panose="020B0604020202020204" pitchFamily="34" charset="0"/>
@@ -4507,7 +4508,7 @@
         <p:spPr>
           <a:xfrm>
             <a:off x="822959" y="1894960"/>
-            <a:ext cx="6634854" cy="2997744"/>
+            <a:ext cx="6634854" cy="3367076"/>
           </a:xfrm>
           <a:prstGeom prst="rect">
             <a:avLst/>
@@ -4584,7 +4585,7 @@
                 <a:latin typeface="Arial" panose="020B0604020202020204" pitchFamily="34" charset="0"/>
                 <a:cs typeface="Arial" panose="020B0604020202020204" pitchFamily="34" charset="0"/>
               </a:rPr>
-              <a:t>Objective: Determine the average price increase ratio between 2004 and 2023 for the London Datastore dataset.</a:t>
+              <a:t>Objective: Determine the average price increase ratios for each London Borough from 2003 and 2023 for the London Datastore dataset.</a:t>
             </a:r>
           </a:p>
         </p:txBody>
@@ -4799,42 +4800,66 @@
           </a:prstGeom>
         </p:spPr>
       </p:pic>
-      <p:pic>
-        <p:nvPicPr>
-          <p:cNvPr id="5" name="Picture 4">
+      <p:sp>
+        <p:nvSpPr>
+          <p:cNvPr id="23" name="Rectangle 22">
             <a:extLst>
               <a:ext uri="{FF2B5EF4-FFF2-40B4-BE49-F238E27FC236}">
-                <a16:creationId xmlns:a16="http://schemas.microsoft.com/office/drawing/2014/main" id="{3CEFC7A0-F734-8930-96AB-D5A69B9D1E4A}"/>
+                <a16:creationId xmlns:a16="http://schemas.microsoft.com/office/drawing/2014/main" id="{ABD1EACF-F448-0DC3-B6D6-3D430E8E5303}"/>
               </a:ext>
             </a:extLst>
           </p:cNvPr>
-          <p:cNvPicPr>
-            <a:picLocks noChangeAspect="1"/>
-          </p:cNvPicPr>
+          <p:cNvSpPr/>
           <p:nvPr/>
-        </p:nvPicPr>
-        <p:blipFill>
-          <a:blip r:embed="rId3"/>
-          <a:stretch>
-            <a:fillRect/>
-          </a:stretch>
-        </p:blipFill>
-        <p:spPr>
-          <a:xfrm>
-            <a:off x="0" y="1917496"/>
-            <a:ext cx="5198831" cy="4362155"/>
+        </p:nvSpPr>
+        <p:spPr>
+          <a:xfrm>
+            <a:off x="5116321" y="5906644"/>
+            <a:ext cx="3293042" cy="256673"/>
           </a:xfrm>
           <a:prstGeom prst="rect">
             <a:avLst/>
           </a:prstGeom>
         </p:spPr>
-      </p:pic>
+        <p:txBody>
+          <a:bodyPr wrap="square">
+            <a:spAutoFit/>
+          </a:bodyPr>
+          <a:lstStyle/>
+          <a:p>
+            <a:pPr>
+              <a:lnSpc>
+                <a:spcPct val="107000"/>
+              </a:lnSpc>
+            </a:pPr>
+            <a:r>
+              <a:rPr lang="en-US" sz="1050" b="1" dirty="0">
+                <a:latin typeface="Times New Roman" panose="02020603050405020304" pitchFamily="18" charset="0"/>
+                <a:ea typeface="Calibri" panose="020F0502020204030204" pitchFamily="34" charset="0"/>
+                <a:cs typeface="Times New Roman" panose="02020603050405020304" pitchFamily="18" charset="0"/>
+              </a:rPr>
+              <a:t>Data for analysis provided by </a:t>
+            </a:r>
+            <a:r>
+              <a:rPr lang="en-US" sz="1050" dirty="0">
+                <a:hlinkClick r:id="rId3"/>
+              </a:rPr>
+              <a:t>London Datastore</a:t>
+            </a:r>
+            <a:endParaRPr lang="en-US" sz="1050" dirty="0">
+              <a:latin typeface="Calibri" panose="020F0502020204030204" pitchFamily="34" charset="0"/>
+              <a:ea typeface="Calibri" panose="020F0502020204030204" pitchFamily="34" charset="0"/>
+              <a:cs typeface="Times New Roman" panose="02020603050405020304" pitchFamily="18" charset="0"/>
+            </a:endParaRPr>
+          </a:p>
+        </p:txBody>
+      </p:sp>
       <p:pic>
         <p:nvPicPr>
-          <p:cNvPr id="17" name="Picture 16">
+          <p:cNvPr id="6" name="Picture 5">
             <a:extLst>
               <a:ext uri="{FF2B5EF4-FFF2-40B4-BE49-F238E27FC236}">
-                <a16:creationId xmlns:a16="http://schemas.microsoft.com/office/drawing/2014/main" id="{8DDDAFB6-C699-0AAB-1ED0-BB01F126BA37}"/>
+                <a16:creationId xmlns:a16="http://schemas.microsoft.com/office/drawing/2014/main" id="{3098B956-472F-53C9-8DCB-D8522B32DE8D}"/>
               </a:ext>
             </a:extLst>
           </p:cNvPr>
@@ -4851,8 +4876,8 @@
         </p:blipFill>
         <p:spPr>
           <a:xfrm>
-            <a:off x="4794156" y="2430534"/>
-            <a:ext cx="3882094" cy="290980"/>
+            <a:off x="292281" y="1888554"/>
+            <a:ext cx="4779418" cy="4353950"/>
           </a:xfrm>
           <a:prstGeom prst="rect">
             <a:avLst/>
@@ -4861,10 +4886,10 @@
       </p:pic>
       <p:pic>
         <p:nvPicPr>
-          <p:cNvPr id="21" name="Picture 20">
+          <p:cNvPr id="8" name="Picture 7">
             <a:extLst>
               <a:ext uri="{FF2B5EF4-FFF2-40B4-BE49-F238E27FC236}">
-                <a16:creationId xmlns:a16="http://schemas.microsoft.com/office/drawing/2014/main" id="{E8C6543A-7041-EED2-0E53-F6DA0D779AFB}"/>
+                <a16:creationId xmlns:a16="http://schemas.microsoft.com/office/drawing/2014/main" id="{E3C53B37-3C35-D676-35B8-615EFAC299F9}"/>
               </a:ext>
             </a:extLst>
           </p:cNvPr>
@@ -4881,68 +4906,104 @@
         </p:blipFill>
         <p:spPr>
           <a:xfrm>
-            <a:off x="5069679" y="2734838"/>
-            <a:ext cx="2524477" cy="1743318"/>
+            <a:off x="4856767" y="1858225"/>
+            <a:ext cx="3293042" cy="337748"/>
           </a:xfrm>
           <a:prstGeom prst="rect">
             <a:avLst/>
           </a:prstGeom>
         </p:spPr>
       </p:pic>
-      <p:sp>
-        <p:nvSpPr>
-          <p:cNvPr id="23" name="Rectangle 22">
+      <p:pic>
+        <p:nvPicPr>
+          <p:cNvPr id="10" name="Picture 9">
             <a:extLst>
               <a:ext uri="{FF2B5EF4-FFF2-40B4-BE49-F238E27FC236}">
-                <a16:creationId xmlns:a16="http://schemas.microsoft.com/office/drawing/2014/main" id="{ABD1EACF-F448-0DC3-B6D6-3D430E8E5303}"/>
+                <a16:creationId xmlns:a16="http://schemas.microsoft.com/office/drawing/2014/main" id="{6480F6FC-5D77-92F7-B2CE-006C9295891E}"/>
               </a:ext>
             </a:extLst>
           </p:cNvPr>
-          <p:cNvSpPr/>
+          <p:cNvPicPr>
+            <a:picLocks noChangeAspect="1"/>
+          </p:cNvPicPr>
           <p:nvPr/>
-        </p:nvSpPr>
-        <p:spPr>
-          <a:xfrm>
-            <a:off x="5073718" y="4478156"/>
-            <a:ext cx="3293042" cy="256673"/>
+        </p:nvPicPr>
+        <p:blipFill>
+          <a:blip r:embed="rId6"/>
+          <a:stretch>
+            <a:fillRect/>
+          </a:stretch>
+        </p:blipFill>
+        <p:spPr>
+          <a:xfrm>
+            <a:off x="5070235" y="2187896"/>
+            <a:ext cx="2038635" cy="1638529"/>
           </a:xfrm>
           <a:prstGeom prst="rect">
             <a:avLst/>
           </a:prstGeom>
         </p:spPr>
-        <p:txBody>
-          <a:bodyPr wrap="square">
-            <a:spAutoFit/>
-          </a:bodyPr>
-          <a:lstStyle/>
-          <a:p>
-            <a:pPr>
-              <a:lnSpc>
-                <a:spcPct val="107000"/>
-              </a:lnSpc>
-            </a:pPr>
-            <a:r>
-              <a:rPr lang="en-US" sz="1050" b="1" dirty="0">
-                <a:latin typeface="Times New Roman" panose="02020603050405020304" pitchFamily="18" charset="0"/>
-                <a:ea typeface="Calibri" panose="020F0502020204030204" pitchFamily="34" charset="0"/>
-                <a:cs typeface="Times New Roman" panose="02020603050405020304" pitchFamily="18" charset="0"/>
-              </a:rPr>
-              <a:t>Data for analysis provided by </a:t>
-            </a:r>
-            <a:r>
-              <a:rPr lang="en-US" sz="1050" dirty="0">
-                <a:hlinkClick r:id="rId6"/>
-              </a:rPr>
-              <a:t>London Datastore</a:t>
-            </a:r>
-            <a:endParaRPr lang="en-US" sz="1050" dirty="0">
-              <a:latin typeface="Calibri" panose="020F0502020204030204" pitchFamily="34" charset="0"/>
-              <a:ea typeface="Calibri" panose="020F0502020204030204" pitchFamily="34" charset="0"/>
-              <a:cs typeface="Times New Roman" panose="02020603050405020304" pitchFamily="18" charset="0"/>
-            </a:endParaRPr>
-          </a:p>
-        </p:txBody>
-      </p:sp>
+      </p:pic>
+      <p:pic>
+        <p:nvPicPr>
+          <p:cNvPr id="13" name="Picture 12">
+            <a:extLst>
+              <a:ext uri="{FF2B5EF4-FFF2-40B4-BE49-F238E27FC236}">
+                <a16:creationId xmlns:a16="http://schemas.microsoft.com/office/drawing/2014/main" id="{9FCBA119-CF8F-9E35-4D5D-A86BEEF744EA}"/>
+              </a:ext>
+            </a:extLst>
+          </p:cNvPr>
+          <p:cNvPicPr>
+            <a:picLocks noChangeAspect="1"/>
+          </p:cNvPicPr>
+          <p:nvPr/>
+        </p:nvPicPr>
+        <p:blipFill>
+          <a:blip r:embed="rId7"/>
+          <a:stretch>
+            <a:fillRect/>
+          </a:stretch>
+        </p:blipFill>
+        <p:spPr>
+          <a:xfrm>
+            <a:off x="4856767" y="3961492"/>
+            <a:ext cx="3445364" cy="289738"/>
+          </a:xfrm>
+          <a:prstGeom prst="rect">
+            <a:avLst/>
+          </a:prstGeom>
+        </p:spPr>
+      </p:pic>
+      <p:pic>
+        <p:nvPicPr>
+          <p:cNvPr id="15" name="Picture 14">
+            <a:extLst>
+              <a:ext uri="{FF2B5EF4-FFF2-40B4-BE49-F238E27FC236}">
+                <a16:creationId xmlns:a16="http://schemas.microsoft.com/office/drawing/2014/main" id="{B308E5EF-B31E-EA39-F318-53387C553BF5}"/>
+              </a:ext>
+            </a:extLst>
+          </p:cNvPr>
+          <p:cNvPicPr>
+            <a:picLocks noChangeAspect="1"/>
+          </p:cNvPicPr>
+          <p:nvPr/>
+        </p:nvPicPr>
+        <p:blipFill>
+          <a:blip r:embed="rId8"/>
+          <a:stretch>
+            <a:fillRect/>
+          </a:stretch>
+        </p:blipFill>
+        <p:spPr>
+          <a:xfrm>
+            <a:off x="4997751" y="4271456"/>
+            <a:ext cx="2183602" cy="1517121"/>
+          </a:xfrm>
+          <a:prstGeom prst="rect">
+            <a:avLst/>
+          </a:prstGeom>
+        </p:spPr>
+      </p:pic>
     </p:spTree>
     <p:extLst>
       <p:ext uri="{BB962C8B-B14F-4D97-AF65-F5344CB8AC3E}">
@@ -4975,6 +5036,258 @@
       </p:grpSpPr>
       <p:sp>
         <p:nvSpPr>
+          <p:cNvPr id="2" name="Title 1">
+            <a:extLst>
+              <a:ext uri="{FF2B5EF4-FFF2-40B4-BE49-F238E27FC236}">
+                <a16:creationId xmlns:a16="http://schemas.microsoft.com/office/drawing/2014/main" id="{F6CC8FB1-239D-41D5-A84F-0A5CE2457274}"/>
+              </a:ext>
+            </a:extLst>
+          </p:cNvPr>
+          <p:cNvSpPr>
+            <a:spLocks noGrp="1"/>
+          </p:cNvSpPr>
+          <p:nvPr>
+            <p:ph type="title"/>
+          </p:nvPr>
+        </p:nvSpPr>
+        <p:spPr>
+          <a:xfrm>
+            <a:off x="822960" y="286604"/>
+            <a:ext cx="7543800" cy="1450757"/>
+          </a:xfrm>
+          <a:ln>
+            <a:noFill/>
+          </a:ln>
+        </p:spPr>
+        <p:txBody>
+          <a:bodyPr/>
+          <a:lstStyle/>
+          <a:p>
+            <a:pPr algn="ctr"/>
+            <a:r>
+              <a:rPr lang="en-US" sz="4000" kern="0" spc="0" dirty="0" err="1">
+                <a:solidFill>
+                  <a:srgbClr val="000000"/>
+                </a:solidFill>
+                <a:latin typeface="Arial"/>
+                <a:ea typeface="ＭＳ Ｐゴシック" pitchFamily="-110" charset="-128"/>
+              </a:rPr>
+              <a:t>Create_Price_Ratio</a:t>
+            </a:r>
+            <a:r>
+              <a:rPr lang="en-US" sz="4000" kern="0" spc="0" dirty="0">
+                <a:solidFill>
+                  <a:srgbClr val="000000"/>
+                </a:solidFill>
+                <a:latin typeface="Arial"/>
+                <a:ea typeface="ＭＳ Ｐゴシック" pitchFamily="-110" charset="-128"/>
+              </a:rPr>
+              <a:t>()</a:t>
+            </a:r>
+            <a:endParaRPr lang="en-US" dirty="0"/>
+          </a:p>
+        </p:txBody>
+      </p:sp>
+      <p:sp>
+        <p:nvSpPr>
+          <p:cNvPr id="12" name="Slide Number Placeholder 11">
+            <a:extLst>
+              <a:ext uri="{FF2B5EF4-FFF2-40B4-BE49-F238E27FC236}">
+                <a16:creationId xmlns:a16="http://schemas.microsoft.com/office/drawing/2014/main" id="{D0EBE0AB-6F7B-493B-B751-754040CCBFBE}"/>
+              </a:ext>
+            </a:extLst>
+          </p:cNvPr>
+          <p:cNvSpPr>
+            <a:spLocks noGrp="1"/>
+          </p:cNvSpPr>
+          <p:nvPr>
+            <p:ph type="sldNum" sz="quarter" idx="12"/>
+          </p:nvPr>
+        </p:nvSpPr>
+        <p:spPr/>
+        <p:txBody>
+          <a:bodyPr/>
+          <a:lstStyle/>
+          <a:p>
+            <a:fld id="{0B0DCB44-B618-4352-9D00-E38B33038E0B}" type="slidenum">
+              <a:rPr lang="en-US" smtClean="0"/>
+              <a:t>4</a:t>
+            </a:fld>
+            <a:endParaRPr lang="en-US"/>
+          </a:p>
+        </p:txBody>
+      </p:sp>
+      <p:pic>
+        <p:nvPicPr>
+          <p:cNvPr id="3" name="Picture 2" descr="A black background with grey letters&#10;&#10;Description automatically generated">
+            <a:extLst>
+              <a:ext uri="{FF2B5EF4-FFF2-40B4-BE49-F238E27FC236}">
+                <a16:creationId xmlns:a16="http://schemas.microsoft.com/office/drawing/2014/main" id="{695E0685-1926-5C43-CD36-B7BC5961B067}"/>
+              </a:ext>
+            </a:extLst>
+          </p:cNvPr>
+          <p:cNvPicPr>
+            <a:picLocks noChangeAspect="1"/>
+          </p:cNvPicPr>
+          <p:nvPr/>
+        </p:nvPicPr>
+        <p:blipFill>
+          <a:blip r:embed="rId2">
+            <a:extLst>
+              <a:ext uri="{28A0092B-C50C-407E-A947-70E740481C1C}">
+                <a14:useLocalDpi xmlns:a14="http://schemas.microsoft.com/office/drawing/2010/main" val="0"/>
+              </a:ext>
+            </a:extLst>
+          </a:blip>
+          <a:stretch>
+            <a:fillRect/>
+          </a:stretch>
+        </p:blipFill>
+        <p:spPr>
+          <a:xfrm>
+            <a:off x="112832" y="51590"/>
+            <a:ext cx="2121401" cy="707134"/>
+          </a:xfrm>
+          <a:prstGeom prst="rect">
+            <a:avLst/>
+          </a:prstGeom>
+        </p:spPr>
+      </p:pic>
+      <p:pic>
+        <p:nvPicPr>
+          <p:cNvPr id="5" name="Picture 4">
+            <a:extLst>
+              <a:ext uri="{FF2B5EF4-FFF2-40B4-BE49-F238E27FC236}">
+                <a16:creationId xmlns:a16="http://schemas.microsoft.com/office/drawing/2014/main" id="{B966693A-FF36-968E-1332-468F27F4D895}"/>
+              </a:ext>
+            </a:extLst>
+          </p:cNvPr>
+          <p:cNvPicPr>
+            <a:picLocks noChangeAspect="1"/>
+          </p:cNvPicPr>
+          <p:nvPr/>
+        </p:nvPicPr>
+        <p:blipFill>
+          <a:blip r:embed="rId3"/>
+          <a:stretch>
+            <a:fillRect/>
+          </a:stretch>
+        </p:blipFill>
+        <p:spPr>
+          <a:xfrm>
+            <a:off x="848817" y="2129198"/>
+            <a:ext cx="7068536" cy="990738"/>
+          </a:xfrm>
+          <a:prstGeom prst="rect">
+            <a:avLst/>
+          </a:prstGeom>
+        </p:spPr>
+      </p:pic>
+      <p:sp>
+        <p:nvSpPr>
+          <p:cNvPr id="7" name="Rectangle 6">
+            <a:extLst>
+              <a:ext uri="{FF2B5EF4-FFF2-40B4-BE49-F238E27FC236}">
+                <a16:creationId xmlns:a16="http://schemas.microsoft.com/office/drawing/2014/main" id="{5233713B-17F9-3898-EBAC-760353D3BA61}"/>
+              </a:ext>
+            </a:extLst>
+          </p:cNvPr>
+          <p:cNvSpPr/>
+          <p:nvPr/>
+        </p:nvSpPr>
+        <p:spPr>
+          <a:xfrm>
+            <a:off x="681694" y="3119936"/>
+            <a:ext cx="8163955" cy="2246769"/>
+          </a:xfrm>
+          <a:prstGeom prst="rect">
+            <a:avLst/>
+          </a:prstGeom>
+        </p:spPr>
+        <p:txBody>
+          <a:bodyPr wrap="square">
+            <a:spAutoFit/>
+          </a:bodyPr>
+          <a:lstStyle/>
+          <a:p>
+            <a:endParaRPr lang="en-US" sz="2000" dirty="0">
+              <a:latin typeface="Arial" panose="020B0604020202020204" pitchFamily="34" charset="0"/>
+              <a:cs typeface="Arial" panose="020B0604020202020204" pitchFamily="34" charset="0"/>
+            </a:endParaRPr>
+          </a:p>
+          <a:p>
+            <a:pPr marL="285750" indent="-285750">
+              <a:buFont typeface="Arial" panose="020B0604020202020204" pitchFamily="34" charset="0"/>
+              <a:buChar char="•"/>
+            </a:pPr>
+            <a:r>
+              <a:rPr lang="en-US" sz="2000" dirty="0">
+                <a:latin typeface="Arial" panose="020B0604020202020204" pitchFamily="34" charset="0"/>
+                <a:cs typeface="Arial" panose="020B0604020202020204" pitchFamily="34" charset="0"/>
+              </a:rPr>
+              <a:t>Function first filters dataset for specific borough name</a:t>
+            </a:r>
+          </a:p>
+          <a:p>
+            <a:pPr marL="285750" indent="-285750">
+              <a:buFont typeface="Arial" panose="020B0604020202020204" pitchFamily="34" charset="0"/>
+              <a:buChar char="•"/>
+            </a:pPr>
+            <a:r>
+              <a:rPr lang="en-US" sz="2000" dirty="0">
+                <a:latin typeface="Arial" panose="020B0604020202020204" pitchFamily="34" charset="0"/>
+                <a:cs typeface="Arial" panose="020B0604020202020204" pitchFamily="34" charset="0"/>
+              </a:rPr>
+              <a:t>Function then further filters to retrieve the ‘Average Prices’ column for the year specified</a:t>
+            </a:r>
+          </a:p>
+          <a:p>
+            <a:pPr marL="285750" indent="-285750">
+              <a:buFont typeface="Arial" panose="020B0604020202020204" pitchFamily="34" charset="0"/>
+              <a:buChar char="•"/>
+            </a:pPr>
+            <a:r>
+              <a:rPr lang="en-US" sz="2000" dirty="0">
+                <a:latin typeface="Arial" panose="020B0604020202020204" pitchFamily="34" charset="0"/>
+                <a:cs typeface="Arial" panose="020B0604020202020204" pitchFamily="34" charset="0"/>
+              </a:rPr>
+              <a:t>Function then performs a ratio calculation dividing the mean of the starting year ‘Average Price’ column with the mean of the ending year ‘Average Price’ column </a:t>
+            </a:r>
+          </a:p>
+        </p:txBody>
+      </p:sp>
+    </p:spTree>
+    <p:extLst>
+      <p:ext uri="{BB962C8B-B14F-4D97-AF65-F5344CB8AC3E}">
+        <p14:creationId xmlns:p14="http://schemas.microsoft.com/office/powerpoint/2010/main" val="1030006866"/>
+      </p:ext>
+    </p:extLst>
+  </p:cSld>
+  <p:clrMapOvr>
+    <a:masterClrMapping/>
+  </p:clrMapOvr>
+</p:sld>
+</file>
+
+<file path=ppt/slides/slide5.xml><?xml version="1.0" encoding="utf-8"?>
+<p:sld xmlns:a="http://schemas.openxmlformats.org/drawingml/2006/main" xmlns:r="http://schemas.openxmlformats.org/officeDocument/2006/relationships" xmlns:p="http://schemas.openxmlformats.org/presentationml/2006/main">
+  <p:cSld>
+    <p:spTree>
+      <p:nvGrpSpPr>
+        <p:cNvPr id="1" name=""/>
+        <p:cNvGrpSpPr/>
+        <p:nvPr/>
+      </p:nvGrpSpPr>
+      <p:grpSpPr>
+        <a:xfrm>
+          <a:off x="0" y="0"/>
+          <a:ext cx="0" cy="0"/>
+          <a:chOff x="0" y="0"/>
+          <a:chExt cx="0" cy="0"/>
+        </a:xfrm>
+      </p:grpSpPr>
+      <p:sp>
+        <p:nvSpPr>
           <p:cNvPr id="4" name="Slide Number Placeholder 3">
             <a:extLst>
               <a:ext uri="{FF2B5EF4-FFF2-40B4-BE49-F238E27FC236}">
@@ -4999,7 +5312,7 @@
                 <a:latin typeface="Arial" panose="020B0604020202020204" pitchFamily="34" charset="0"/>
                 <a:cs typeface="Arial" panose="020B0604020202020204" pitchFamily="34" charset="0"/>
               </a:rPr>
-              <a:t>4</a:t>
+              <a:t>5</a:t>
             </a:fld>
             <a:endParaRPr lang="en-US" dirty="0">
               <a:latin typeface="Arial" panose="020B0604020202020204" pitchFamily="34" charset="0"/>
@@ -5066,8 +5379,8 @@
         </p:nvSpPr>
         <p:spPr>
           <a:xfrm>
-            <a:off x="730681" y="1737361"/>
-            <a:ext cx="8163955" cy="1938992"/>
+            <a:off x="599498" y="1695497"/>
+            <a:ext cx="8163955" cy="3416320"/>
           </a:xfrm>
           <a:prstGeom prst="rect">
             <a:avLst/>
@@ -5094,7 +5407,51 @@
                 <a:latin typeface="Arial" panose="020B0604020202020204" pitchFamily="34" charset="0"/>
                 <a:cs typeface="Arial" panose="020B0604020202020204" pitchFamily="34" charset="0"/>
               </a:rPr>
-              <a:t>Top 5 analysis shows that North East Borough, West Midlands, Yorks &amp; the Humber, East Midlands, and South West had the largest price increase from 2004 to 2023, with North East Borough being the highest.</a:t>
+              <a:t>Top 5 analysis shows that Harrow, </a:t>
+            </a:r>
+            <a:r>
+              <a:rPr lang="en-US" sz="2400" dirty="0" err="1">
+                <a:latin typeface="Arial" panose="020B0604020202020204" pitchFamily="34" charset="0"/>
+                <a:cs typeface="Arial" panose="020B0604020202020204" pitchFamily="34" charset="0"/>
+              </a:rPr>
+              <a:t>Croyden</a:t>
+            </a:r>
+            <a:r>
+              <a:rPr lang="en-US" sz="2400" dirty="0">
+                <a:latin typeface="Arial" panose="020B0604020202020204" pitchFamily="34" charset="0"/>
+                <a:cs typeface="Arial" panose="020B0604020202020204" pitchFamily="34" charset="0"/>
+              </a:rPr>
+              <a:t>, Hillingdon, Hounslow, and Redbridge were the highest in terms of average price ratio, therefore experienced the greatest price increase from 2003 and 2023.</a:t>
+            </a:r>
+          </a:p>
+          <a:p>
+            <a:pPr marL="285750" indent="-285750">
+              <a:buFont typeface="Arial" panose="020B0604020202020204" pitchFamily="34" charset="0"/>
+              <a:buChar char="•"/>
+            </a:pPr>
+            <a:endParaRPr lang="en-US" sz="2400" dirty="0">
+              <a:latin typeface="Arial" panose="020B0604020202020204" pitchFamily="34" charset="0"/>
+              <a:cs typeface="Arial" panose="020B0604020202020204" pitchFamily="34" charset="0"/>
+            </a:endParaRPr>
+          </a:p>
+          <a:p>
+            <a:pPr marL="285750" indent="-285750">
+              <a:buFont typeface="Arial" panose="020B0604020202020204" pitchFamily="34" charset="0"/>
+              <a:buChar char="•"/>
+            </a:pPr>
+            <a:r>
+              <a:rPr lang="en-US" sz="2400" dirty="0" err="1">
+                <a:latin typeface="Arial" panose="020B0604020202020204" pitchFamily="34" charset="0"/>
+                <a:cs typeface="Arial" panose="020B0604020202020204" pitchFamily="34" charset="0"/>
+              </a:rPr>
+              <a:t>Hackeny</a:t>
+            </a:r>
+            <a:r>
+              <a:rPr lang="en-US" sz="2400" dirty="0">
+                <a:latin typeface="Arial" panose="020B0604020202020204" pitchFamily="34" charset="0"/>
+                <a:cs typeface="Arial" panose="020B0604020202020204" pitchFamily="34" charset="0"/>
+              </a:rPr>
+              <a:t>, Waltham Forest, Kensington &amp; Chelsea, Haringey, and Southwark experienced the least change in price difference from 2003 and 2023.</a:t>
             </a:r>
           </a:p>
         </p:txBody>
@@ -5148,7 +5505,7 @@
 </p:sld>
 </file>
 
-<file path=ppt/slides/slide5.xml><?xml version="1.0" encoding="utf-8"?>
+<file path=ppt/slides/slide6.xml><?xml version="1.0" encoding="utf-8"?>
 <p:sld xmlns:a="http://schemas.openxmlformats.org/drawingml/2006/main" xmlns:r="http://schemas.openxmlformats.org/officeDocument/2006/relationships" xmlns:p="http://schemas.openxmlformats.org/presentationml/2006/main">
   <p:cSld>
     <p:spTree>
@@ -5228,7 +5585,7 @@
                 <a:latin typeface="Arial" panose="020B0604020202020204" pitchFamily="34" charset="0"/>
                 <a:cs typeface="Arial" panose="020B0604020202020204" pitchFamily="34" charset="0"/>
               </a:rPr>
-              <a:t>5</a:t>
+              <a:t>6</a:t>
             </a:fld>
             <a:endParaRPr lang="en-US" dirty="0">
               <a:latin typeface="Arial" panose="020B0604020202020204" pitchFamily="34" charset="0"/>

--- a/UK_House_Prices_Challenge/UK_Housing_Prices_Presentation.pptx
+++ b/UK_House_Prices_Challenge/UK_Housing_Prices_Presentation.pptx
@@ -4355,8 +4355,8 @@
         </p:nvSpPr>
         <p:spPr>
           <a:xfrm>
-            <a:off x="668540" y="4374012"/>
-            <a:ext cx="7806945" cy="369332"/>
+            <a:off x="685371" y="4374012"/>
+            <a:ext cx="7773282" cy="553998"/>
           </a:xfrm>
           <a:prstGeom prst="rect">
             <a:avLst/>
@@ -4375,6 +4375,16 @@
                 <a:cs typeface="Arial" panose="020B0604020202020204" pitchFamily="34" charset="0"/>
               </a:rPr>
               <a:t>Resources Provided by London Datastore: a free, open-source data-sharing portal for London-oriented datasets</a:t>
+            </a:r>
+          </a:p>
+          <a:p>
+            <a:pPr algn="ctr"/>
+            <a:r>
+              <a:rPr lang="en-US" baseline="30000" dirty="0">
+                <a:latin typeface="Arial" panose="020B0604020202020204" pitchFamily="34" charset="0"/>
+                <a:cs typeface="Arial" panose="020B0604020202020204" pitchFamily="34" charset="0"/>
+              </a:rPr>
+              <a:t>Slide template provided by Sacramento State University</a:t>
             </a:r>
             <a:endParaRPr lang="en-US" dirty="0">
               <a:latin typeface="Arial" panose="020B0604020202020204" pitchFamily="34" charset="0"/>

--- a/UK_House_Prices_Challenge/UK_Housing_Prices_Presentation.pptx
+++ b/UK_House_Prices_Challenge/UK_Housing_Prices_Presentation.pptx
@@ -4355,8 +4355,8 @@
         </p:nvSpPr>
         <p:spPr>
           <a:xfrm>
-            <a:off x="685371" y="4374012"/>
-            <a:ext cx="7773282" cy="553998"/>
+            <a:off x="30065" y="4374012"/>
+            <a:ext cx="9083897" cy="830997"/>
           </a:xfrm>
           <a:prstGeom prst="rect">
             <a:avLst/>
@@ -4384,9 +4384,22 @@
                 <a:latin typeface="Arial" panose="020B0604020202020204" pitchFamily="34" charset="0"/>
                 <a:cs typeface="Arial" panose="020B0604020202020204" pitchFamily="34" charset="0"/>
               </a:rPr>
+              <a:t>Code to assist in completing this project provided by Tier 1 Project Platform and websites such as Stack Overflow and statology.org</a:t>
+            </a:r>
+          </a:p>
+          <a:p>
+            <a:pPr algn="ctr"/>
+            <a:r>
+              <a:rPr lang="en-US" baseline="30000" dirty="0">
+                <a:latin typeface="Arial" panose="020B0604020202020204" pitchFamily="34" charset="0"/>
+                <a:cs typeface="Arial" panose="020B0604020202020204" pitchFamily="34" charset="0"/>
+              </a:rPr>
               <a:t>Slide template provided by Sacramento State University</a:t>
             </a:r>
-            <a:endParaRPr lang="en-US" dirty="0">
+          </a:p>
+          <a:p>
+            <a:pPr algn="ctr"/>
+            <a:endParaRPr lang="en-US" baseline="30000" dirty="0">
               <a:latin typeface="Arial" panose="020B0604020202020204" pitchFamily="34" charset="0"/>
               <a:cs typeface="Arial" panose="020B0604020202020204" pitchFamily="34" charset="0"/>
             </a:endParaRPr>

--- a/UK_House_Prices_Challenge/UK_Housing_Prices_Presentation.pptx
+++ b/UK_House_Prices_Challenge/UK_Housing_Prices_Presentation.pptx
@@ -4193,7 +4193,7 @@
         <p:spPr>
           <a:xfrm>
             <a:off x="-89133" y="1619412"/>
-            <a:ext cx="9322266" cy="2754600"/>
+            <a:ext cx="9322266" cy="2431435"/>
           </a:xfrm>
           <a:prstGeom prst="rect">
             <a:avLst/>
@@ -4294,11 +4294,8 @@
                 <a:latin typeface="Arial" panose="020B0604020202020204" pitchFamily="34" charset="0"/>
                 <a:cs typeface="Arial" panose="020B0604020202020204" pitchFamily="34" charset="0"/>
               </a:rPr>
-              <a:t>tpoozhikala@gmail.com</a:t>
-            </a:r>
-          </a:p>
-          <a:p>
-            <a:pPr algn="ctr"/>
+              <a:t>https://github.com/tpoozhikala</a:t>
+            </a:r>
             <a:endParaRPr lang="en-US" sz="2100" b="1" dirty="0">
               <a:latin typeface="Arial" panose="020B0604020202020204" pitchFamily="34" charset="0"/>
               <a:cs typeface="Arial" panose="020B0604020202020204" pitchFamily="34" charset="0"/>
@@ -4355,8 +4352,8 @@
         </p:nvSpPr>
         <p:spPr>
           <a:xfrm>
-            <a:off x="30065" y="4374012"/>
-            <a:ext cx="9083897" cy="830997"/>
+            <a:off x="60103" y="4401235"/>
+            <a:ext cx="9083897" cy="1015663"/>
           </a:xfrm>
           <a:prstGeom prst="rect">
             <a:avLst/>
@@ -4385,6 +4382,16 @@
                 <a:cs typeface="Arial" panose="020B0604020202020204" pitchFamily="34" charset="0"/>
               </a:rPr>
               <a:t>Code to assist in completing this project provided by Tier 1 Project Platform and websites such as Stack Overflow and statology.org</a:t>
+            </a:r>
+          </a:p>
+          <a:p>
+            <a:pPr algn="ctr"/>
+            <a:r>
+              <a:rPr lang="en-US" baseline="30000" dirty="0">
+                <a:latin typeface="Arial" panose="020B0604020202020204" pitchFamily="34" charset="0"/>
+                <a:cs typeface="Arial" panose="020B0604020202020204" pitchFamily="34" charset="0"/>
+              </a:rPr>
+              <a:t>List of London Boroughs provided by https://www.londononline.co.uk/boroughs/enfield/</a:t>
             </a:r>
           </a:p>
           <a:p>

--- a/UK_House_Prices_Challenge/UK_Housing_Prices_Presentation.pptx
+++ b/UK_House_Prices_Challenge/UK_Housing_Prices_Presentation.pptx
@@ -4352,8 +4352,8 @@
         </p:nvSpPr>
         <p:spPr>
           <a:xfrm>
-            <a:off x="60103" y="4401235"/>
-            <a:ext cx="9083897" cy="1015663"/>
+            <a:off x="470472" y="4401235"/>
+            <a:ext cx="8263160" cy="1015663"/>
           </a:xfrm>
           <a:prstGeom prst="rect">
             <a:avLst/>
@@ -4381,7 +4381,7 @@
                 <a:latin typeface="Arial" panose="020B0604020202020204" pitchFamily="34" charset="0"/>
                 <a:cs typeface="Arial" panose="020B0604020202020204" pitchFamily="34" charset="0"/>
               </a:rPr>
-              <a:t>Code to assist in completing this project provided by Tier 1 Project Platform and websites such as Stack Overflow and statology.org</a:t>
+              <a:t>Code to assist provided by Tier 1 Project Platform and Stack Overflow and statology.org and associated documentation</a:t>
             </a:r>
           </a:p>
           <a:p>
